--- a/情報リテラシー/中島　翔馬/ヒューマンでの学校生活において学んだこと.pptx
+++ b/情報リテラシー/中島　翔馬/ヒューマンでの学校生活において学んだこと.pptx
@@ -215,7 +215,7 @@
           <a:p>
             <a:fld id="{766E4CDC-1C3E-4285-AD18-06DB75584634}" type="datetimeFigureOut">
               <a:rPr kumimoji="1" lang="ja-JP" altLang="en-US" smtClean="0"/>
-              <a:t>2021/1/17</a:t>
+              <a:t>2021/1/22</a:t>
             </a:fld>
             <a:endParaRPr kumimoji="1" lang="ja-JP" altLang="en-US"/>
           </a:p>
@@ -1004,7 +1004,7 @@
           <a:p>
             <a:fld id="{BAA7E9C7-1DCC-41AB-A9B2-14AE4B5B7818}" type="datetimeFigureOut">
               <a:rPr kumimoji="1" lang="ja-JP" altLang="en-US" smtClean="0"/>
-              <a:t>2021/1/17</a:t>
+              <a:t>2021/1/22</a:t>
             </a:fld>
             <a:endParaRPr kumimoji="1" lang="ja-JP" altLang="en-US"/>
           </a:p>
@@ -1234,7 +1234,7 @@
           <a:p>
             <a:fld id="{BAA7E9C7-1DCC-41AB-A9B2-14AE4B5B7818}" type="datetimeFigureOut">
               <a:rPr kumimoji="1" lang="ja-JP" altLang="en-US" smtClean="0"/>
-              <a:t>2021/1/17</a:t>
+              <a:t>2021/1/22</a:t>
             </a:fld>
             <a:endParaRPr kumimoji="1" lang="ja-JP" altLang="en-US"/>
           </a:p>
@@ -1474,7 +1474,7 @@
           <a:p>
             <a:fld id="{BAA7E9C7-1DCC-41AB-A9B2-14AE4B5B7818}" type="datetimeFigureOut">
               <a:rPr kumimoji="1" lang="ja-JP" altLang="en-US" smtClean="0"/>
-              <a:t>2021/1/17</a:t>
+              <a:t>2021/1/22</a:t>
             </a:fld>
             <a:endParaRPr kumimoji="1" lang="ja-JP" altLang="en-US"/>
           </a:p>
@@ -1704,7 +1704,7 @@
           <a:p>
             <a:fld id="{BAA7E9C7-1DCC-41AB-A9B2-14AE4B5B7818}" type="datetimeFigureOut">
               <a:rPr kumimoji="1" lang="ja-JP" altLang="en-US" smtClean="0"/>
-              <a:t>2021/1/17</a:t>
+              <a:t>2021/1/22</a:t>
             </a:fld>
             <a:endParaRPr kumimoji="1" lang="ja-JP" altLang="en-US"/>
           </a:p>
@@ -1979,7 +1979,7 @@
           <a:p>
             <a:fld id="{BAA7E9C7-1DCC-41AB-A9B2-14AE4B5B7818}" type="datetimeFigureOut">
               <a:rPr kumimoji="1" lang="ja-JP" altLang="en-US" smtClean="0"/>
-              <a:t>2021/1/17</a:t>
+              <a:t>2021/1/22</a:t>
             </a:fld>
             <a:endParaRPr kumimoji="1" lang="ja-JP" altLang="en-US"/>
           </a:p>
@@ -2308,7 +2308,7 @@
           <a:p>
             <a:fld id="{BAA7E9C7-1DCC-41AB-A9B2-14AE4B5B7818}" type="datetimeFigureOut">
               <a:rPr kumimoji="1" lang="ja-JP" altLang="en-US" smtClean="0"/>
-              <a:t>2021/1/17</a:t>
+              <a:t>2021/1/22</a:t>
             </a:fld>
             <a:endParaRPr kumimoji="1" lang="ja-JP" altLang="en-US"/>
           </a:p>
@@ -2784,7 +2784,7 @@
           <a:p>
             <a:fld id="{BAA7E9C7-1DCC-41AB-A9B2-14AE4B5B7818}" type="datetimeFigureOut">
               <a:rPr kumimoji="1" lang="ja-JP" altLang="en-US" smtClean="0"/>
-              <a:t>2021/1/17</a:t>
+              <a:t>2021/1/22</a:t>
             </a:fld>
             <a:endParaRPr kumimoji="1" lang="ja-JP" altLang="en-US"/>
           </a:p>
@@ -2925,7 +2925,7 @@
           <a:p>
             <a:fld id="{BAA7E9C7-1DCC-41AB-A9B2-14AE4B5B7818}" type="datetimeFigureOut">
               <a:rPr kumimoji="1" lang="ja-JP" altLang="en-US" smtClean="0"/>
-              <a:t>2021/1/17</a:t>
+              <a:t>2021/1/22</a:t>
             </a:fld>
             <a:endParaRPr kumimoji="1" lang="ja-JP" altLang="en-US"/>
           </a:p>
@@ -3038,7 +3038,7 @@
           <a:p>
             <a:fld id="{BAA7E9C7-1DCC-41AB-A9B2-14AE4B5B7818}" type="datetimeFigureOut">
               <a:rPr kumimoji="1" lang="ja-JP" altLang="en-US" smtClean="0"/>
-              <a:t>2021/1/17</a:t>
+              <a:t>2021/1/22</a:t>
             </a:fld>
             <a:endParaRPr kumimoji="1" lang="ja-JP" altLang="en-US"/>
           </a:p>
@@ -3381,7 +3381,7 @@
           <a:p>
             <a:fld id="{BAA7E9C7-1DCC-41AB-A9B2-14AE4B5B7818}" type="datetimeFigureOut">
               <a:rPr kumimoji="1" lang="ja-JP" altLang="en-US" smtClean="0"/>
-              <a:t>2021/1/17</a:t>
+              <a:t>2021/1/22</a:t>
             </a:fld>
             <a:endParaRPr kumimoji="1" lang="ja-JP" altLang="en-US"/>
           </a:p>
@@ -3669,7 +3669,7 @@
           <a:p>
             <a:fld id="{BAA7E9C7-1DCC-41AB-A9B2-14AE4B5B7818}" type="datetimeFigureOut">
               <a:rPr kumimoji="1" lang="ja-JP" altLang="en-US" smtClean="0"/>
-              <a:t>2021/1/17</a:t>
+              <a:t>2021/1/22</a:t>
             </a:fld>
             <a:endParaRPr kumimoji="1" lang="ja-JP" altLang="en-US"/>
           </a:p>
@@ -3942,7 +3942,7 @@
           <a:p>
             <a:fld id="{BAA7E9C7-1DCC-41AB-A9B2-14AE4B5B7818}" type="datetimeFigureOut">
               <a:rPr kumimoji="1" lang="ja-JP" altLang="en-US" smtClean="0"/>
-              <a:t>2021/1/17</a:t>
+              <a:t>2021/1/22</a:t>
             </a:fld>
             <a:endParaRPr kumimoji="1" lang="ja-JP" altLang="en-US"/>
           </a:p>
@@ -4388,6 +4388,84 @@
           </a:p>
         </p:txBody>
       </p:sp>
+      <p:sp>
+        <p:nvSpPr>
+          <p:cNvPr id="3" name="テキスト ボックス 2">
+            <a:extLst>
+              <a:ext uri="{FF2B5EF4-FFF2-40B4-BE49-F238E27FC236}">
+                <a16:creationId xmlns:a16="http://schemas.microsoft.com/office/drawing/2014/main" id="{322C241C-A040-4D31-B72B-857F57D20A0B}"/>
+              </a:ext>
+            </a:extLst>
+          </p:cNvPr>
+          <p:cNvSpPr txBox="1"/>
+          <p:nvPr/>
+        </p:nvSpPr>
+        <p:spPr>
+          <a:xfrm>
+            <a:off x="6791325" y="5909230"/>
+            <a:ext cx="2031325" cy="646331"/>
+          </a:xfrm>
+          <a:prstGeom prst="rect">
+            <a:avLst/>
+          </a:prstGeom>
+          <a:noFill/>
+        </p:spPr>
+        <p:txBody>
+          <a:bodyPr wrap="none" rtlCol="0">
+            <a:spAutoFit/>
+          </a:bodyPr>
+          <a:lstStyle/>
+          <a:p>
+            <a:r>
+              <a:rPr kumimoji="1" lang="ja-JP" altLang="en-US" dirty="0"/>
+              <a:t>ゲームカレッジ</a:t>
+            </a:r>
+            <a:endParaRPr kumimoji="1" lang="en-US" altLang="ja-JP" dirty="0"/>
+          </a:p>
+          <a:p>
+            <a:r>
+              <a:rPr kumimoji="1" lang="ja-JP" altLang="en-US" dirty="0"/>
+              <a:t>プログラマー専攻</a:t>
+            </a:r>
+          </a:p>
+        </p:txBody>
+      </p:sp>
+      <p:sp>
+        <p:nvSpPr>
+          <p:cNvPr id="4" name="テキスト ボックス 3">
+            <a:extLst>
+              <a:ext uri="{FF2B5EF4-FFF2-40B4-BE49-F238E27FC236}">
+                <a16:creationId xmlns:a16="http://schemas.microsoft.com/office/drawing/2014/main" id="{74A0DFF8-DE7E-4EE5-9894-C8C1757C635D}"/>
+              </a:ext>
+            </a:extLst>
+          </p:cNvPr>
+          <p:cNvSpPr txBox="1"/>
+          <p:nvPr/>
+        </p:nvSpPr>
+        <p:spPr>
+          <a:xfrm>
+            <a:off x="9001125" y="6186229"/>
+            <a:ext cx="1409700" cy="369332"/>
+          </a:xfrm>
+          <a:prstGeom prst="rect">
+            <a:avLst/>
+          </a:prstGeom>
+          <a:noFill/>
+        </p:spPr>
+        <p:txBody>
+          <a:bodyPr wrap="square" rtlCol="0">
+            <a:spAutoFit/>
+          </a:bodyPr>
+          <a:lstStyle/>
+          <a:p>
+            <a:r>
+              <a:rPr kumimoji="1" lang="ja-JP" altLang="en-US" dirty="0"/>
+              <a:t>中島　翔馬</a:t>
+            </a:r>
+            <a:endParaRPr kumimoji="1" lang="en-US" altLang="ja-JP" dirty="0"/>
+          </a:p>
+        </p:txBody>
+      </p:sp>
     </p:spTree>
     <p:extLst>
       <p:ext uri="{BB962C8B-B14F-4D97-AF65-F5344CB8AC3E}">
@@ -4470,8 +4548,8 @@
         </p:nvSpPr>
         <p:spPr>
           <a:xfrm>
-            <a:off x="838200" y="1825625"/>
-            <a:ext cx="4279900" cy="2759076"/>
+            <a:off x="838200" y="1825624"/>
+            <a:ext cx="4448176" cy="717551"/>
           </a:xfrm>
         </p:spPr>
         <p:txBody>
@@ -4480,32 +4558,130 @@
           </a:bodyPr>
           <a:lstStyle/>
           <a:p>
+            <a:pPr marL="0" indent="0">
+              <a:buNone/>
+            </a:pPr>
+            <a:r>
+              <a:rPr lang="ja-JP" altLang="en-US" sz="4000" dirty="0"/>
+              <a:t>・</a:t>
+            </a:r>
             <a:r>
               <a:rPr lang="en-US" altLang="ja-JP" sz="4000" dirty="0"/>
               <a:t>Why How What</a:t>
             </a:r>
           </a:p>
           <a:p>
+            <a:endParaRPr lang="en-US" altLang="ja-JP" sz="4000" dirty="0"/>
+          </a:p>
+        </p:txBody>
+      </p:sp>
+      <p:sp>
+        <p:nvSpPr>
+          <p:cNvPr id="5" name="テキスト ボックス 4">
+            <a:extLst>
+              <a:ext uri="{FF2B5EF4-FFF2-40B4-BE49-F238E27FC236}">
+                <a16:creationId xmlns:a16="http://schemas.microsoft.com/office/drawing/2014/main" id="{4BF27D15-87E8-4C3F-A028-B340384CC8B6}"/>
+              </a:ext>
+            </a:extLst>
+          </p:cNvPr>
+          <p:cNvSpPr txBox="1"/>
+          <p:nvPr/>
+        </p:nvSpPr>
+        <p:spPr>
+          <a:xfrm>
+            <a:off x="1518851" y="2543175"/>
+            <a:ext cx="2990850" cy="707886"/>
+          </a:xfrm>
+          <a:prstGeom prst="rect">
+            <a:avLst/>
+          </a:prstGeom>
+          <a:noFill/>
+        </p:spPr>
+        <p:txBody>
+          <a:bodyPr wrap="square">
+            <a:spAutoFit/>
+          </a:bodyPr>
+          <a:lstStyle/>
+          <a:p>
             <a:r>
               <a:rPr lang="ja-JP" altLang="en-US" sz="4000" dirty="0"/>
-              <a:t>自己分析</a:t>
+              <a:t>・自己分析</a:t>
             </a:r>
             <a:endParaRPr lang="en-US" altLang="ja-JP" sz="4000" dirty="0"/>
           </a:p>
+        </p:txBody>
+      </p:sp>
+      <p:sp>
+        <p:nvSpPr>
+          <p:cNvPr id="7" name="テキスト ボックス 6">
+            <a:extLst>
+              <a:ext uri="{FF2B5EF4-FFF2-40B4-BE49-F238E27FC236}">
+                <a16:creationId xmlns:a16="http://schemas.microsoft.com/office/drawing/2014/main" id="{18306AFE-6E58-43D0-857F-9872CCF459E1}"/>
+              </a:ext>
+            </a:extLst>
+          </p:cNvPr>
+          <p:cNvSpPr txBox="1"/>
+          <p:nvPr/>
+        </p:nvSpPr>
+        <p:spPr>
+          <a:xfrm>
+            <a:off x="2132828" y="3429000"/>
+            <a:ext cx="3315472" cy="984885"/>
+          </a:xfrm>
+          <a:prstGeom prst="rect">
+            <a:avLst/>
+          </a:prstGeom>
+          <a:noFill/>
+        </p:spPr>
+        <p:txBody>
+          <a:bodyPr wrap="square">
+            <a:spAutoFit/>
+          </a:bodyPr>
+          <a:lstStyle/>
           <a:p>
             <a:r>
               <a:rPr lang="ja-JP" altLang="en-US" sz="4000" dirty="0"/>
-              <a:t>興味を持つ</a:t>
-            </a:r>
-          </a:p>
+              <a:t>・興味を持つ</a:t>
+            </a:r>
+            <a:endParaRPr lang="en-US" altLang="ja-JP" sz="4000" dirty="0"/>
+          </a:p>
+          <a:p>
+            <a:endParaRPr lang="ja-JP" altLang="en-US" sz="1800" dirty="0"/>
+          </a:p>
+        </p:txBody>
+      </p:sp>
+      <p:sp>
+        <p:nvSpPr>
+          <p:cNvPr id="9" name="テキスト ボックス 8">
+            <a:extLst>
+              <a:ext uri="{FF2B5EF4-FFF2-40B4-BE49-F238E27FC236}">
+                <a16:creationId xmlns:a16="http://schemas.microsoft.com/office/drawing/2014/main" id="{7B016B99-67BE-4F86-9795-656AD777FD33}"/>
+              </a:ext>
+            </a:extLst>
+          </p:cNvPr>
+          <p:cNvSpPr txBox="1"/>
+          <p:nvPr/>
+        </p:nvSpPr>
+        <p:spPr>
+          <a:xfrm>
+            <a:off x="3014276" y="4237881"/>
+            <a:ext cx="1843089" cy="707886"/>
+          </a:xfrm>
+          <a:prstGeom prst="rect">
+            <a:avLst/>
+          </a:prstGeom>
+          <a:noFill/>
+        </p:spPr>
+        <p:txBody>
+          <a:bodyPr wrap="square">
+            <a:spAutoFit/>
+          </a:bodyPr>
+          <a:lstStyle/>
           <a:p>
             <a:r>
               <a:rPr lang="ja-JP" altLang="en-US" sz="4000" dirty="0"/>
-              <a:t>言語</a:t>
-            </a:r>
-            <a:endParaRPr lang="en-US" altLang="ja-JP" sz="4000" dirty="0"/>
-          </a:p>
-          <a:p>
+              <a:t>・言語</a:t>
+            </a:r>
             <a:endParaRPr lang="en-US" altLang="ja-JP" sz="4000" dirty="0"/>
           </a:p>
         </p:txBody>
@@ -5611,6 +5787,131 @@
           </a:fontRef>
         </p:style>
       </p:cxnSp>
+      <p:sp>
+        <p:nvSpPr>
+          <p:cNvPr id="2" name="テキスト ボックス 1">
+            <a:extLst>
+              <a:ext uri="{FF2B5EF4-FFF2-40B4-BE49-F238E27FC236}">
+                <a16:creationId xmlns:a16="http://schemas.microsoft.com/office/drawing/2014/main" id="{5E55FA8B-1124-4661-87B4-C1983F45303F}"/>
+              </a:ext>
+            </a:extLst>
+          </p:cNvPr>
+          <p:cNvSpPr txBox="1"/>
+          <p:nvPr/>
+        </p:nvSpPr>
+        <p:spPr>
+          <a:xfrm>
+            <a:off x="7849309" y="3897976"/>
+            <a:ext cx="4054315" cy="369332"/>
+          </a:xfrm>
+          <a:prstGeom prst="rect">
+            <a:avLst/>
+          </a:prstGeom>
+          <a:noFill/>
+        </p:spPr>
+        <p:txBody>
+          <a:bodyPr wrap="none" rtlCol="0">
+            <a:spAutoFit/>
+          </a:bodyPr>
+          <a:lstStyle/>
+          <a:p>
+            <a:r>
+              <a:rPr kumimoji="1" lang="en-US" altLang="ja-JP" dirty="0"/>
+              <a:t>Ex)</a:t>
+            </a:r>
+            <a:r>
+              <a:rPr kumimoji="1" lang="ja-JP" altLang="en-US" dirty="0"/>
+              <a:t>基本情報の勉強、</a:t>
+            </a:r>
+            <a:r>
+              <a:rPr kumimoji="1" lang="en-US" altLang="ja-JP" dirty="0"/>
+              <a:t>MOS</a:t>
+            </a:r>
+            <a:r>
+              <a:rPr kumimoji="1" lang="ja-JP" altLang="en-US" dirty="0"/>
+              <a:t>試験の勉強</a:t>
+            </a:r>
+          </a:p>
+        </p:txBody>
+      </p:sp>
+      <p:sp>
+        <p:nvSpPr>
+          <p:cNvPr id="13" name="テキスト ボックス 12">
+            <a:extLst>
+              <a:ext uri="{FF2B5EF4-FFF2-40B4-BE49-F238E27FC236}">
+                <a16:creationId xmlns:a16="http://schemas.microsoft.com/office/drawing/2014/main" id="{51F58FED-C8CE-402F-A2BF-DFB67D5F6B07}"/>
+              </a:ext>
+            </a:extLst>
+          </p:cNvPr>
+          <p:cNvSpPr txBox="1"/>
+          <p:nvPr/>
+        </p:nvSpPr>
+        <p:spPr>
+          <a:xfrm>
+            <a:off x="7849309" y="5873310"/>
+            <a:ext cx="4222631" cy="369332"/>
+          </a:xfrm>
+          <a:prstGeom prst="rect">
+            <a:avLst/>
+          </a:prstGeom>
+          <a:noFill/>
+        </p:spPr>
+        <p:txBody>
+          <a:bodyPr wrap="none" rtlCol="0">
+            <a:spAutoFit/>
+          </a:bodyPr>
+          <a:lstStyle/>
+          <a:p>
+            <a:r>
+              <a:rPr kumimoji="1" lang="en-US" altLang="ja-JP" dirty="0"/>
+              <a:t>Ex)</a:t>
+            </a:r>
+            <a:r>
+              <a:rPr kumimoji="1" lang="ja-JP" altLang="en-US" dirty="0"/>
+              <a:t>入社してから必要になる知識を得る</a:t>
+            </a:r>
+          </a:p>
+        </p:txBody>
+      </p:sp>
+      <p:sp>
+        <p:nvSpPr>
+          <p:cNvPr id="15" name="テキスト ボックス 14">
+            <a:extLst>
+              <a:ext uri="{FF2B5EF4-FFF2-40B4-BE49-F238E27FC236}">
+                <a16:creationId xmlns:a16="http://schemas.microsoft.com/office/drawing/2014/main" id="{7D796317-92A8-4715-AF71-04A7F552714E}"/>
+              </a:ext>
+            </a:extLst>
+          </p:cNvPr>
+          <p:cNvSpPr txBox="1"/>
+          <p:nvPr/>
+        </p:nvSpPr>
+        <p:spPr>
+          <a:xfrm>
+            <a:off x="7849309" y="1702178"/>
+            <a:ext cx="3299301" cy="369332"/>
+          </a:xfrm>
+          <a:prstGeom prst="rect">
+            <a:avLst/>
+          </a:prstGeom>
+          <a:noFill/>
+        </p:spPr>
+        <p:txBody>
+          <a:bodyPr wrap="none" rtlCol="0">
+            <a:spAutoFit/>
+          </a:bodyPr>
+          <a:lstStyle/>
+          <a:p>
+            <a:r>
+              <a:rPr kumimoji="1" lang="en-US" altLang="ja-JP" dirty="0"/>
+              <a:t>Ex)</a:t>
+            </a:r>
+            <a:r>
+              <a:rPr kumimoji="1" lang="ja-JP" altLang="en-US" dirty="0"/>
+              <a:t>基本情報勉強用の本を買う</a:t>
+            </a:r>
+          </a:p>
+        </p:txBody>
+      </p:sp>
     </p:spTree>
     <p:extLst>
       <p:ext uri="{BB962C8B-B14F-4D97-AF65-F5344CB8AC3E}">
@@ -5676,39 +5977,21 @@
                                   </p:childTnLst>
                                 </p:cTn>
                               </p:par>
-                            </p:childTnLst>
-                          </p:cTn>
-                        </p:par>
-                      </p:childTnLst>
-                    </p:cTn>
-                  </p:par>
-                  <p:par>
-                    <p:cTn id="8" fill="hold">
-                      <p:stCondLst>
-                        <p:cond delay="indefinite"/>
-                      </p:stCondLst>
-                      <p:childTnLst>
-                        <p:par>
-                          <p:cTn id="9" fill="hold">
-                            <p:stCondLst>
-                              <p:cond delay="0"/>
-                            </p:stCondLst>
-                            <p:childTnLst>
                               <p:par>
-                                <p:cTn id="10" presetID="10" presetClass="entr" presetSubtype="0" fill="hold" grpId="0" nodeType="clickEffect">
+                                <p:cTn id="8" presetID="10" presetClass="entr" presetSubtype="0" fill="hold" grpId="0" nodeType="withEffect">
                                   <p:stCondLst>
                                     <p:cond delay="0"/>
                                   </p:stCondLst>
                                   <p:childTnLst>
                                     <p:set>
                                       <p:cBhvr>
-                                        <p:cTn id="11" dur="1" fill="hold">
+                                        <p:cTn id="9" dur="1" fill="hold">
                                           <p:stCondLst>
                                             <p:cond delay="0"/>
                                           </p:stCondLst>
                                         </p:cTn>
                                         <p:tgtEl>
-                                          <p:spTgt spid="19"/>
+                                          <p:spTgt spid="15"/>
                                         </p:tgtEl>
                                         <p:attrNameLst>
                                           <p:attrName>style.visibility</p:attrName>
@@ -5720,9 +6003,9 @@
                                     </p:set>
                                     <p:animEffect transition="in" filter="fade">
                                       <p:cBhvr>
-                                        <p:cTn id="12" dur="500"/>
-                                        <p:tgtEl>
-                                          <p:spTgt spid="19"/>
+                                        <p:cTn id="10" dur="500"/>
+                                        <p:tgtEl>
+                                          <p:spTgt spid="15"/>
                                         </p:tgtEl>
                                       </p:cBhvr>
                                     </p:animEffect>
@@ -5736,32 +6019,32 @@
                     </p:cTn>
                   </p:par>
                   <p:par>
-                    <p:cTn id="13" fill="hold">
+                    <p:cTn id="11" fill="hold">
                       <p:stCondLst>
                         <p:cond delay="indefinite"/>
                       </p:stCondLst>
                       <p:childTnLst>
                         <p:par>
-                          <p:cTn id="14" fill="hold">
+                          <p:cTn id="12" fill="hold">
                             <p:stCondLst>
                               <p:cond delay="0"/>
                             </p:stCondLst>
                             <p:childTnLst>
                               <p:par>
-                                <p:cTn id="15" presetID="10" presetClass="entr" presetSubtype="0" fill="hold" grpId="0" nodeType="clickEffect">
+                                <p:cTn id="13" presetID="10" presetClass="entr" presetSubtype="0" fill="hold" grpId="0" nodeType="clickEffect">
                                   <p:stCondLst>
                                     <p:cond delay="0"/>
                                   </p:stCondLst>
                                   <p:childTnLst>
                                     <p:set>
                                       <p:cBhvr>
-                                        <p:cTn id="16" dur="1" fill="hold">
+                                        <p:cTn id="14" dur="1" fill="hold">
                                           <p:stCondLst>
                                             <p:cond delay="0"/>
                                           </p:stCondLst>
                                         </p:cTn>
                                         <p:tgtEl>
-                                          <p:spTgt spid="18"/>
+                                          <p:spTgt spid="19"/>
                                         </p:tgtEl>
                                         <p:attrNameLst>
                                           <p:attrName>style.visibility</p:attrName>
@@ -5773,9 +6056,44 @@
                                     </p:set>
                                     <p:animEffect transition="in" filter="fade">
                                       <p:cBhvr>
-                                        <p:cTn id="17" dur="500"/>
-                                        <p:tgtEl>
-                                          <p:spTgt spid="18"/>
+                                        <p:cTn id="15" dur="500"/>
+                                        <p:tgtEl>
+                                          <p:spTgt spid="19"/>
+                                        </p:tgtEl>
+                                      </p:cBhvr>
+                                    </p:animEffect>
+                                  </p:childTnLst>
+                                </p:cTn>
+                              </p:par>
+                              <p:par>
+                                <p:cTn id="16" presetID="10" presetClass="entr" presetSubtype="0" fill="hold" grpId="0" nodeType="withEffect">
+                                  <p:stCondLst>
+                                    <p:cond delay="0"/>
+                                  </p:stCondLst>
+                                  <p:childTnLst>
+                                    <p:set>
+                                      <p:cBhvr>
+                                        <p:cTn id="17" dur="1" fill="hold">
+                                          <p:stCondLst>
+                                            <p:cond delay="0"/>
+                                          </p:stCondLst>
+                                        </p:cTn>
+                                        <p:tgtEl>
+                                          <p:spTgt spid="2"/>
+                                        </p:tgtEl>
+                                        <p:attrNameLst>
+                                          <p:attrName>style.visibility</p:attrName>
+                                        </p:attrNameLst>
+                                      </p:cBhvr>
+                                      <p:to>
+                                        <p:strVal val="visible"/>
+                                      </p:to>
+                                    </p:set>
+                                    <p:animEffect transition="in" filter="fade">
+                                      <p:cBhvr>
+                                        <p:cTn id="18" dur="500"/>
+                                        <p:tgtEl>
+                                          <p:spTgt spid="2"/>
                                         </p:tgtEl>
                                       </p:cBhvr>
                                     </p:animEffect>
@@ -5789,32 +6107,32 @@
                     </p:cTn>
                   </p:par>
                   <p:par>
-                    <p:cTn id="18" fill="hold">
+                    <p:cTn id="19" fill="hold">
                       <p:stCondLst>
                         <p:cond delay="indefinite"/>
                       </p:stCondLst>
                       <p:childTnLst>
                         <p:par>
-                          <p:cTn id="19" fill="hold">
+                          <p:cTn id="20" fill="hold">
                             <p:stCondLst>
                               <p:cond delay="0"/>
                             </p:stCondLst>
                             <p:childTnLst>
                               <p:par>
-                                <p:cTn id="20" presetID="10" presetClass="entr" presetSubtype="0" fill="hold" nodeType="clickEffect">
+                                <p:cTn id="21" presetID="10" presetClass="entr" presetSubtype="0" fill="hold" grpId="0" nodeType="clickEffect">
                                   <p:stCondLst>
                                     <p:cond delay="0"/>
                                   </p:stCondLst>
                                   <p:childTnLst>
                                     <p:set>
                                       <p:cBhvr>
-                                        <p:cTn id="21" dur="1" fill="hold">
+                                        <p:cTn id="22" dur="1" fill="hold">
                                           <p:stCondLst>
                                             <p:cond delay="0"/>
                                           </p:stCondLst>
                                         </p:cTn>
                                         <p:tgtEl>
-                                          <p:spTgt spid="25"/>
+                                          <p:spTgt spid="18"/>
                                         </p:tgtEl>
                                         <p:attrNameLst>
                                           <p:attrName>style.visibility</p:attrName>
@@ -5826,7 +6144,77 @@
                                     </p:set>
                                     <p:animEffect transition="in" filter="fade">
                                       <p:cBhvr>
-                                        <p:cTn id="22" dur="500"/>
+                                        <p:cTn id="23" dur="500"/>
+                                        <p:tgtEl>
+                                          <p:spTgt spid="18"/>
+                                        </p:tgtEl>
+                                      </p:cBhvr>
+                                    </p:animEffect>
+                                  </p:childTnLst>
+                                </p:cTn>
+                              </p:par>
+                              <p:par>
+                                <p:cTn id="24" presetID="10" presetClass="entr" presetSubtype="0" fill="hold" grpId="0" nodeType="withEffect">
+                                  <p:stCondLst>
+                                    <p:cond delay="0"/>
+                                  </p:stCondLst>
+                                  <p:childTnLst>
+                                    <p:set>
+                                      <p:cBhvr>
+                                        <p:cTn id="25" dur="1" fill="hold">
+                                          <p:stCondLst>
+                                            <p:cond delay="0"/>
+                                          </p:stCondLst>
+                                        </p:cTn>
+                                        <p:tgtEl>
+                                          <p:spTgt spid="13"/>
+                                        </p:tgtEl>
+                                        <p:attrNameLst>
+                                          <p:attrName>style.visibility</p:attrName>
+                                        </p:attrNameLst>
+                                      </p:cBhvr>
+                                      <p:to>
+                                        <p:strVal val="visible"/>
+                                      </p:to>
+                                    </p:set>
+                                    <p:animEffect transition="in" filter="fade">
+                                      <p:cBhvr>
+                                        <p:cTn id="26" dur="500"/>
+                                        <p:tgtEl>
+                                          <p:spTgt spid="13"/>
+                                        </p:tgtEl>
+                                      </p:cBhvr>
+                                    </p:animEffect>
+                                  </p:childTnLst>
+                                </p:cTn>
+                              </p:par>
+                              <p:par>
+                                <p:cTn id="27" presetID="10" presetClass="entr" presetSubtype="0" fill="hold" nodeType="withEffect">
+                                  <p:stCondLst>
+                                    <p:cond delay="0"/>
+                                  </p:stCondLst>
+                                  <p:childTnLst>
+                                    <p:set>
+                                      <p:cBhvr>
+                                        <p:cTn id="28" dur="1" fill="hold">
+                                          <p:stCondLst>
+                                            <p:cond delay="0"/>
+                                          </p:stCondLst>
+                                        </p:cTn>
+                                        <p:tgtEl>
+                                          <p:spTgt spid="25"/>
+                                        </p:tgtEl>
+                                        <p:attrNameLst>
+                                          <p:attrName>style.visibility</p:attrName>
+                                        </p:attrNameLst>
+                                      </p:cBhvr>
+                                      <p:to>
+                                        <p:strVal val="visible"/>
+                                      </p:to>
+                                    </p:set>
+                                    <p:animEffect transition="in" filter="fade">
+                                      <p:cBhvr>
+                                        <p:cTn id="29" dur="500"/>
                                         <p:tgtEl>
                                           <p:spTgt spid="25"/>
                                         </p:tgtEl>
@@ -5866,6 +6254,9 @@
       <p:bldP spid="18" grpId="0"/>
       <p:bldP spid="19" grpId="0"/>
       <p:bldP spid="20" grpId="0"/>
+      <p:bldP spid="2" grpId="0"/>
+      <p:bldP spid="13" grpId="0"/>
+      <p:bldP spid="15" grpId="0"/>
     </p:bldLst>
   </p:timing>
 </p:sld>
@@ -6313,6 +6704,41 @@
             <a:r>
               <a:rPr kumimoji="1" lang="ja-JP" altLang="en-US" sz="3600" dirty="0"/>
               <a:t>自己分析</a:t>
+            </a:r>
+          </a:p>
+        </p:txBody>
+      </p:sp>
+      <p:sp>
+        <p:nvSpPr>
+          <p:cNvPr id="4" name="テキスト ボックス 3">
+            <a:extLst>
+              <a:ext uri="{FF2B5EF4-FFF2-40B4-BE49-F238E27FC236}">
+                <a16:creationId xmlns:a16="http://schemas.microsoft.com/office/drawing/2014/main" id="{49AA78A0-AC95-45C4-8971-A72466EC95B3}"/>
+              </a:ext>
+            </a:extLst>
+          </p:cNvPr>
+          <p:cNvSpPr txBox="1"/>
+          <p:nvPr/>
+        </p:nvSpPr>
+        <p:spPr>
+          <a:xfrm>
+            <a:off x="568325" y="3233111"/>
+            <a:ext cx="2698175" cy="523220"/>
+          </a:xfrm>
+          <a:prstGeom prst="rect">
+            <a:avLst/>
+          </a:prstGeom>
+          <a:noFill/>
+        </p:spPr>
+        <p:txBody>
+          <a:bodyPr wrap="none" rtlCol="0">
+            <a:spAutoFit/>
+          </a:bodyPr>
+          <a:lstStyle/>
+          <a:p>
+            <a:r>
+              <a:rPr kumimoji="1" lang="ja-JP" altLang="en-US" sz="2800" dirty="0"/>
+              <a:t>大切になるのは</a:t>
             </a:r>
           </a:p>
         </p:txBody>
